--- a/lecture_slides/src/slides_01.11.2023.pptx
+++ b/lecture_slides/src/slides_01.11.2023.pptx
@@ -261,7 +261,7 @@
           <a:p>
             <a:fld id="{5E3ED6B2-8036-6E4B-B8A1-6618B644779A}" type="datetimeFigureOut">
               <a:rPr lang="en-US" smtClean="0"/>
-              <a:t>1/10/23</a:t>
+              <a:t>1/12/23</a:t>
             </a:fld>
             <a:endParaRPr lang="en-US"/>
           </a:p>
@@ -459,7 +459,7 @@
           <a:p>
             <a:fld id="{5E3ED6B2-8036-6E4B-B8A1-6618B644779A}" type="datetimeFigureOut">
               <a:rPr lang="en-US" smtClean="0"/>
-              <a:t>1/10/23</a:t>
+              <a:t>1/12/23</a:t>
             </a:fld>
             <a:endParaRPr lang="en-US"/>
           </a:p>
@@ -667,7 +667,7 @@
           <a:p>
             <a:fld id="{5E3ED6B2-8036-6E4B-B8A1-6618B644779A}" type="datetimeFigureOut">
               <a:rPr lang="en-US" smtClean="0"/>
-              <a:t>1/10/23</a:t>
+              <a:t>1/12/23</a:t>
             </a:fld>
             <a:endParaRPr lang="en-US"/>
           </a:p>
@@ -865,7 +865,7 @@
           <a:p>
             <a:fld id="{5E3ED6B2-8036-6E4B-B8A1-6618B644779A}" type="datetimeFigureOut">
               <a:rPr lang="en-US" smtClean="0"/>
-              <a:t>1/10/23</a:t>
+              <a:t>1/12/23</a:t>
             </a:fld>
             <a:endParaRPr lang="en-US"/>
           </a:p>
@@ -1140,7 +1140,7 @@
           <a:p>
             <a:fld id="{5E3ED6B2-8036-6E4B-B8A1-6618B644779A}" type="datetimeFigureOut">
               <a:rPr lang="en-US" smtClean="0"/>
-              <a:t>1/10/23</a:t>
+              <a:t>1/12/23</a:t>
             </a:fld>
             <a:endParaRPr lang="en-US"/>
           </a:p>
@@ -1405,7 +1405,7 @@
           <a:p>
             <a:fld id="{5E3ED6B2-8036-6E4B-B8A1-6618B644779A}" type="datetimeFigureOut">
               <a:rPr lang="en-US" smtClean="0"/>
-              <a:t>1/10/23</a:t>
+              <a:t>1/12/23</a:t>
             </a:fld>
             <a:endParaRPr lang="en-US"/>
           </a:p>
@@ -1817,7 +1817,7 @@
           <a:p>
             <a:fld id="{5E3ED6B2-8036-6E4B-B8A1-6618B644779A}" type="datetimeFigureOut">
               <a:rPr lang="en-US" smtClean="0"/>
-              <a:t>1/10/23</a:t>
+              <a:t>1/12/23</a:t>
             </a:fld>
             <a:endParaRPr lang="en-US"/>
           </a:p>
@@ -1958,7 +1958,7 @@
           <a:p>
             <a:fld id="{5E3ED6B2-8036-6E4B-B8A1-6618B644779A}" type="datetimeFigureOut">
               <a:rPr lang="en-US" smtClean="0"/>
-              <a:t>1/10/23</a:t>
+              <a:t>1/12/23</a:t>
             </a:fld>
             <a:endParaRPr lang="en-US"/>
           </a:p>
@@ -2071,7 +2071,7 @@
           <a:p>
             <a:fld id="{5E3ED6B2-8036-6E4B-B8A1-6618B644779A}" type="datetimeFigureOut">
               <a:rPr lang="en-US" smtClean="0"/>
-              <a:t>1/10/23</a:t>
+              <a:t>1/12/23</a:t>
             </a:fld>
             <a:endParaRPr lang="en-US"/>
           </a:p>
@@ -2382,7 +2382,7 @@
           <a:p>
             <a:fld id="{5E3ED6B2-8036-6E4B-B8A1-6618B644779A}" type="datetimeFigureOut">
               <a:rPr lang="en-US" smtClean="0"/>
-              <a:t>1/10/23</a:t>
+              <a:t>1/12/23</a:t>
             </a:fld>
             <a:endParaRPr lang="en-US"/>
           </a:p>
@@ -2670,7 +2670,7 @@
           <a:p>
             <a:fld id="{5E3ED6B2-8036-6E4B-B8A1-6618B644779A}" type="datetimeFigureOut">
               <a:rPr lang="en-US" smtClean="0"/>
-              <a:t>1/10/23</a:t>
+              <a:t>1/12/23</a:t>
             </a:fld>
             <a:endParaRPr lang="en-US"/>
           </a:p>
@@ -2911,7 +2911,7 @@
           <a:p>
             <a:fld id="{5E3ED6B2-8036-6E4B-B8A1-6618B644779A}" type="datetimeFigureOut">
               <a:rPr lang="en-US" smtClean="0"/>
-              <a:t>1/10/23</a:t>
+              <a:t>1/12/23</a:t>
             </a:fld>
             <a:endParaRPr lang="en-US"/>
           </a:p>
@@ -3509,23 +3509,41 @@
             </a:pPr>
             <a:r>
               <a:rPr lang="en-US" dirty="0"/>
-              <a:t>Course website (https://</a:t>
-            </a:r>
-            <a:r>
-              <a:rPr lang="en-US" dirty="0" err="1"/>
+              <a:t>Course website (</a:t>
+            </a:r>
+            <a:r>
+              <a:rPr lang="en-US" dirty="0">
+                <a:hlinkClick r:id="rId2"/>
+              </a:rPr>
+              <a:t>https://</a:t>
+            </a:r>
+            <a:r>
+              <a:rPr lang="en-US" dirty="0" err="1">
+                <a:hlinkClick r:id="rId2"/>
+              </a:rPr>
               <a:t>github.com</a:t>
             </a:r>
             <a:r>
+              <a:rPr lang="en-US" dirty="0">
+                <a:hlinkClick r:id="rId2"/>
+              </a:rPr>
+              <a:t>/</a:t>
+            </a:r>
+            <a:r>
+              <a:rPr lang="en-US" dirty="0" err="1">
+                <a:hlinkClick r:id="rId2"/>
+              </a:rPr>
+              <a:t>SmithEcophysLab</a:t>
+            </a:r>
+            <a:r>
+              <a:rPr lang="en-US" dirty="0">
+                <a:hlinkClick r:id="rId2"/>
+              </a:rPr>
+              <a:t>/biol43506350_spring2023</a:t>
+            </a:r>
+            <a:r>
               <a:rPr lang="en-US" dirty="0"/>
-              <a:t>/</a:t>
-            </a:r>
-            <a:r>
-              <a:rPr lang="en-US" dirty="0" err="1"/>
-              <a:t>SmithEcophysLab</a:t>
-            </a:r>
-            <a:r>
-              <a:rPr lang="en-US" dirty="0"/>
-              <a:t>/biol43506350_spring2023)</a:t>
+              <a:t>)</a:t>
             </a:r>
           </a:p>
           <a:p>
@@ -3536,6 +3554,16 @@
             <a:r>
               <a:rPr lang="en-US" dirty="0"/>
               <a:t>Finding and reading scientific literature</a:t>
+            </a:r>
+          </a:p>
+          <a:p>
+            <a:pPr marL="514350" indent="-514350">
+              <a:buFont typeface="+mj-lt"/>
+              <a:buAutoNum type="arabicPeriod"/>
+            </a:pPr>
+            <a:r>
+              <a:rPr lang="en-US" dirty="0"/>
+              <a:t>Weekly topic discussion</a:t>
             </a:r>
           </a:p>
         </p:txBody>
